--- a/KNN中文情感分类.pptx
+++ b/KNN中文情感分类.pptx
@@ -9,6 +9,10 @@
     <p:sldId id="257" r:id="rId3"/>
     <p:sldId id="259" r:id="rId4"/>
     <p:sldId id="260" r:id="rId5"/>
+    <p:sldId id="262" r:id="rId6"/>
+    <p:sldId id="263" r:id="rId7"/>
+    <p:sldId id="264" r:id="rId8"/>
+    <p:sldId id="265" r:id="rId9"/>
   </p:sldIdLst>
   <p:sldSz cx="12192000" cy="6858000"/>
   <p:notesSz cx="6858000" cy="9144000"/>
@@ -273,7 +277,7 @@
           <a:p>
             <a:fld id="{1E192FEA-CD0A-496F-AA2B-1273AC9E677C}" type="datetimeFigureOut">
               <a:rPr lang="zh-CN" altLang="en-US" smtClean="0"/>
-              <a:t>2019/10/29</a:t>
+              <a:t>2019/10/30</a:t>
             </a:fld>
             <a:endParaRPr lang="zh-CN" altLang="en-US"/>
           </a:p>
@@ -471,7 +475,7 @@
           <a:p>
             <a:fld id="{1E192FEA-CD0A-496F-AA2B-1273AC9E677C}" type="datetimeFigureOut">
               <a:rPr lang="zh-CN" altLang="en-US" smtClean="0"/>
-              <a:t>2019/10/29</a:t>
+              <a:t>2019/10/30</a:t>
             </a:fld>
             <a:endParaRPr lang="zh-CN" altLang="en-US"/>
           </a:p>
@@ -679,7 +683,7 @@
           <a:p>
             <a:fld id="{1E192FEA-CD0A-496F-AA2B-1273AC9E677C}" type="datetimeFigureOut">
               <a:rPr lang="zh-CN" altLang="en-US" smtClean="0"/>
-              <a:t>2019/10/29</a:t>
+              <a:t>2019/10/30</a:t>
             </a:fld>
             <a:endParaRPr lang="zh-CN" altLang="en-US"/>
           </a:p>
@@ -877,7 +881,7 @@
           <a:p>
             <a:fld id="{1E192FEA-CD0A-496F-AA2B-1273AC9E677C}" type="datetimeFigureOut">
               <a:rPr lang="zh-CN" altLang="en-US" smtClean="0"/>
-              <a:t>2019/10/29</a:t>
+              <a:t>2019/10/30</a:t>
             </a:fld>
             <a:endParaRPr lang="zh-CN" altLang="en-US"/>
           </a:p>
@@ -1152,7 +1156,7 @@
           <a:p>
             <a:fld id="{1E192FEA-CD0A-496F-AA2B-1273AC9E677C}" type="datetimeFigureOut">
               <a:rPr lang="zh-CN" altLang="en-US" smtClean="0"/>
-              <a:t>2019/10/29</a:t>
+              <a:t>2019/10/30</a:t>
             </a:fld>
             <a:endParaRPr lang="zh-CN" altLang="en-US"/>
           </a:p>
@@ -1417,7 +1421,7 @@
           <a:p>
             <a:fld id="{1E192FEA-CD0A-496F-AA2B-1273AC9E677C}" type="datetimeFigureOut">
               <a:rPr lang="zh-CN" altLang="en-US" smtClean="0"/>
-              <a:t>2019/10/29</a:t>
+              <a:t>2019/10/30</a:t>
             </a:fld>
             <a:endParaRPr lang="zh-CN" altLang="en-US"/>
           </a:p>
@@ -1829,7 +1833,7 @@
           <a:p>
             <a:fld id="{1E192FEA-CD0A-496F-AA2B-1273AC9E677C}" type="datetimeFigureOut">
               <a:rPr lang="zh-CN" altLang="en-US" smtClean="0"/>
-              <a:t>2019/10/29</a:t>
+              <a:t>2019/10/30</a:t>
             </a:fld>
             <a:endParaRPr lang="zh-CN" altLang="en-US"/>
           </a:p>
@@ -1970,7 +1974,7 @@
           <a:p>
             <a:fld id="{1E192FEA-CD0A-496F-AA2B-1273AC9E677C}" type="datetimeFigureOut">
               <a:rPr lang="zh-CN" altLang="en-US" smtClean="0"/>
-              <a:t>2019/10/29</a:t>
+              <a:t>2019/10/30</a:t>
             </a:fld>
             <a:endParaRPr lang="zh-CN" altLang="en-US"/>
           </a:p>
@@ -2083,7 +2087,7 @@
           <a:p>
             <a:fld id="{1E192FEA-CD0A-496F-AA2B-1273AC9E677C}" type="datetimeFigureOut">
               <a:rPr lang="zh-CN" altLang="en-US" smtClean="0"/>
-              <a:t>2019/10/29</a:t>
+              <a:t>2019/10/30</a:t>
             </a:fld>
             <a:endParaRPr lang="zh-CN" altLang="en-US"/>
           </a:p>
@@ -2394,7 +2398,7 @@
           <a:p>
             <a:fld id="{1E192FEA-CD0A-496F-AA2B-1273AC9E677C}" type="datetimeFigureOut">
               <a:rPr lang="zh-CN" altLang="en-US" smtClean="0"/>
-              <a:t>2019/10/29</a:t>
+              <a:t>2019/10/30</a:t>
             </a:fld>
             <a:endParaRPr lang="zh-CN" altLang="en-US"/>
           </a:p>
@@ -2682,7 +2686,7 @@
           <a:p>
             <a:fld id="{1E192FEA-CD0A-496F-AA2B-1273AC9E677C}" type="datetimeFigureOut">
               <a:rPr lang="zh-CN" altLang="en-US" smtClean="0"/>
-              <a:t>2019/10/29</a:t>
+              <a:t>2019/10/30</a:t>
             </a:fld>
             <a:endParaRPr lang="zh-CN" altLang="en-US"/>
           </a:p>
@@ -2923,7 +2927,7 @@
           <a:p>
             <a:fld id="{1E192FEA-CD0A-496F-AA2B-1273AC9E677C}" type="datetimeFigureOut">
               <a:rPr lang="zh-CN" altLang="en-US" smtClean="0"/>
-              <a:t>2019/10/29</a:t>
+              <a:t>2019/10/30</a:t>
             </a:fld>
             <a:endParaRPr lang="zh-CN" altLang="en-US"/>
           </a:p>
@@ -3978,30 +3982,12 @@
               <a:t>+1”</a:t>
             </a:r>
             <a:r>
-              <a:rPr lang="zh-CN" altLang="en-US" sz="2400">
-                <a:latin typeface="宋体" panose="02010600030101010101" pitchFamily="2" charset="-122"/>
-                <a:ea typeface="宋体" panose="02010600030101010101" pitchFamily="2" charset="-122"/>
-              </a:rPr>
-              <a:t>为</a:t>
-            </a:r>
-            <a:r>
               <a:rPr lang="zh-CN" altLang="en-US" sz="2400" dirty="0">
                 <a:latin typeface="宋体" panose="02010600030101010101" pitchFamily="2" charset="-122"/>
                 <a:ea typeface="宋体" panose="02010600030101010101" pitchFamily="2" charset="-122"/>
               </a:rPr>
-              <a:t>该单词在词袋中</a:t>
-            </a:r>
-            <a:r>
-              <a:rPr lang="zh-CN" altLang="en-US" sz="2400">
-                <a:latin typeface="宋体" panose="02010600030101010101" pitchFamily="2" charset="-122"/>
-                <a:ea typeface="宋体" panose="02010600030101010101" pitchFamily="2" charset="-122"/>
-              </a:rPr>
-              <a:t>的位置</a:t>
-            </a:r>
-            <a:endParaRPr lang="zh-CN" altLang="en-US" sz="2400" dirty="0">
-              <a:latin typeface="宋体" panose="02010600030101010101" pitchFamily="2" charset="-122"/>
-              <a:ea typeface="宋体" panose="02010600030101010101" pitchFamily="2" charset="-122"/>
-            </a:endParaRPr>
+              <a:t>即为该单词在词袋中的位置</a:t>
+            </a:r>
           </a:p>
         </p:txBody>
       </p:sp>
@@ -4045,6 +4031,1229 @@
     <p:extLst>
       <p:ext uri="{BB962C8B-B14F-4D97-AF65-F5344CB8AC3E}">
         <p14:creationId xmlns:p14="http://schemas.microsoft.com/office/powerpoint/2010/main" val="723009125"/>
+      </p:ext>
+    </p:extLst>
+  </p:cSld>
+  <p:clrMapOvr>
+    <a:masterClrMapping/>
+  </p:clrMapOvr>
+</p:sld>
+</file>
+
+<file path=ppt/slides/slide5.xml><?xml version="1.0" encoding="utf-8"?>
+<p:sld xmlns:a="http://schemas.openxmlformats.org/drawingml/2006/main" xmlns:r="http://schemas.openxmlformats.org/officeDocument/2006/relationships" xmlns:p="http://schemas.openxmlformats.org/presentationml/2006/main">
+  <p:cSld>
+    <p:spTree>
+      <p:nvGrpSpPr>
+        <p:cNvPr id="1" name=""/>
+        <p:cNvGrpSpPr/>
+        <p:nvPr/>
+      </p:nvGrpSpPr>
+      <p:grpSpPr>
+        <a:xfrm>
+          <a:off x="0" y="0"/>
+          <a:ext cx="0" cy="0"/>
+          <a:chOff x="0" y="0"/>
+          <a:chExt cx="0" cy="0"/>
+        </a:xfrm>
+      </p:grpSpPr>
+      <p:sp>
+        <p:nvSpPr>
+          <p:cNvPr id="2" name="标题 1">
+            <a:extLst>
+              <a:ext uri="{FF2B5EF4-FFF2-40B4-BE49-F238E27FC236}">
+                <a16:creationId xmlns:a16="http://schemas.microsoft.com/office/drawing/2014/main" id="{A29866C9-0E2D-48F8-9CCF-2D28708815B2}"/>
+              </a:ext>
+            </a:extLst>
+          </p:cNvPr>
+          <p:cNvSpPr>
+            <a:spLocks noGrp="1"/>
+          </p:cNvSpPr>
+          <p:nvPr>
+            <p:ph type="title"/>
+          </p:nvPr>
+        </p:nvSpPr>
+        <p:spPr>
+          <a:xfrm>
+            <a:off x="947257" y="482570"/>
+            <a:ext cx="10515600" cy="1325563"/>
+          </a:xfrm>
+        </p:spPr>
+        <p:txBody>
+          <a:bodyPr/>
+          <a:lstStyle/>
+          <a:p>
+            <a:r>
+              <a:rPr lang="zh-CN" altLang="en-US" dirty="0">
+                <a:latin typeface="宋体" panose="02010600030101010101" pitchFamily="2" charset="-122"/>
+                <a:ea typeface="宋体" panose="02010600030101010101" pitchFamily="2" charset="-122"/>
+              </a:rPr>
+              <a:t>余弦相似度</a:t>
+            </a:r>
+          </a:p>
+        </p:txBody>
+      </p:sp>
+      <p:sp>
+        <p:nvSpPr>
+          <p:cNvPr id="3" name="内容占位符 2">
+            <a:extLst>
+              <a:ext uri="{FF2B5EF4-FFF2-40B4-BE49-F238E27FC236}">
+                <a16:creationId xmlns:a16="http://schemas.microsoft.com/office/drawing/2014/main" id="{064ADA59-670E-42B4-A55F-8DD6FDED09D2}"/>
+              </a:ext>
+            </a:extLst>
+          </p:cNvPr>
+          <p:cNvSpPr>
+            <a:spLocks noGrp="1"/>
+          </p:cNvSpPr>
+          <p:nvPr>
+            <p:ph idx="1"/>
+          </p:nvPr>
+        </p:nvSpPr>
+        <p:spPr>
+          <a:xfrm>
+            <a:off x="947257" y="2270291"/>
+            <a:ext cx="10515600" cy="2891858"/>
+          </a:xfrm>
+        </p:spPr>
+        <p:txBody>
+          <a:bodyPr>
+            <a:normAutofit fontScale="62500" lnSpcReduction="20000"/>
+          </a:bodyPr>
+          <a:lstStyle/>
+          <a:p>
+            <a:pPr marL="0" indent="0">
+              <a:buNone/>
+            </a:pPr>
+            <a:r>
+              <a:rPr lang="en-US" altLang="zh-CN" sz="2400" dirty="0">
+                <a:latin typeface="宋体" panose="02010600030101010101" pitchFamily="2" charset="-122"/>
+                <a:ea typeface="宋体" panose="02010600030101010101" pitchFamily="2" charset="-122"/>
+              </a:rPr>
+              <a:t>function cosine(</a:t>
+            </a:r>
+            <a:r>
+              <a:rPr lang="en-US" altLang="zh-CN" sz="2400" dirty="0" err="1">
+                <a:latin typeface="宋体" panose="02010600030101010101" pitchFamily="2" charset="-122"/>
+                <a:ea typeface="宋体" panose="02010600030101010101" pitchFamily="2" charset="-122"/>
+              </a:rPr>
+              <a:t>vector_a</a:t>
+            </a:r>
+            <a:r>
+              <a:rPr lang="en-US" altLang="zh-CN" sz="2400" dirty="0">
+                <a:latin typeface="宋体" panose="02010600030101010101" pitchFamily="2" charset="-122"/>
+                <a:ea typeface="宋体" panose="02010600030101010101" pitchFamily="2" charset="-122"/>
+              </a:rPr>
+              <a:t>, </a:t>
+            </a:r>
+            <a:r>
+              <a:rPr lang="en-US" altLang="zh-CN" sz="2400" dirty="0" err="1">
+                <a:latin typeface="宋体" panose="02010600030101010101" pitchFamily="2" charset="-122"/>
+                <a:ea typeface="宋体" panose="02010600030101010101" pitchFamily="2" charset="-122"/>
+              </a:rPr>
+              <a:t>vector_b</a:t>
+            </a:r>
+            <a:r>
+              <a:rPr lang="en-US" altLang="zh-CN" sz="2400" dirty="0">
+                <a:latin typeface="宋体" panose="02010600030101010101" pitchFamily="2" charset="-122"/>
+                <a:ea typeface="宋体" panose="02010600030101010101" pitchFamily="2" charset="-122"/>
+              </a:rPr>
+              <a:t>)    % </a:t>
+            </a:r>
+            <a:r>
+              <a:rPr lang="zh-CN" altLang="en-US" sz="2400" dirty="0">
+                <a:latin typeface="宋体" panose="02010600030101010101" pitchFamily="2" charset="-122"/>
+                <a:ea typeface="宋体" panose="02010600030101010101" pitchFamily="2" charset="-122"/>
+              </a:rPr>
+              <a:t>计算两个文本向量的相似度</a:t>
+            </a:r>
+            <a:endParaRPr lang="en-US" altLang="zh-CN" sz="2400" dirty="0">
+              <a:latin typeface="宋体" panose="02010600030101010101" pitchFamily="2" charset="-122"/>
+              <a:ea typeface="宋体" panose="02010600030101010101" pitchFamily="2" charset="-122"/>
+            </a:endParaRPr>
+          </a:p>
+          <a:p>
+            <a:pPr marL="0" indent="0">
+              <a:buNone/>
+            </a:pPr>
+            <a:r>
+              <a:rPr lang="en-US" altLang="zh-CN" sz="2400" dirty="0">
+                <a:latin typeface="宋体" panose="02010600030101010101" pitchFamily="2" charset="-122"/>
+                <a:ea typeface="宋体" panose="02010600030101010101" pitchFamily="2" charset="-122"/>
+              </a:rPr>
+              <a:t>    numerator &lt;- 0    % </a:t>
+            </a:r>
+            <a:r>
+              <a:rPr lang="zh-CN" altLang="en-US" sz="2400" dirty="0">
+                <a:latin typeface="宋体" panose="02010600030101010101" pitchFamily="2" charset="-122"/>
+                <a:ea typeface="宋体" panose="02010600030101010101" pitchFamily="2" charset="-122"/>
+              </a:rPr>
+              <a:t>分子为两向量乘积</a:t>
+            </a:r>
+            <a:endParaRPr lang="en-US" altLang="zh-CN" sz="2400" dirty="0">
+              <a:latin typeface="宋体" panose="02010600030101010101" pitchFamily="2" charset="-122"/>
+              <a:ea typeface="宋体" panose="02010600030101010101" pitchFamily="2" charset="-122"/>
+            </a:endParaRPr>
+          </a:p>
+          <a:p>
+            <a:pPr marL="0" indent="0">
+              <a:buNone/>
+            </a:pPr>
+            <a:r>
+              <a:rPr lang="en-US" altLang="zh-CN" sz="2400" dirty="0">
+                <a:latin typeface="宋体" panose="02010600030101010101" pitchFamily="2" charset="-122"/>
+                <a:ea typeface="宋体" panose="02010600030101010101" pitchFamily="2" charset="-122"/>
+              </a:rPr>
+              <a:t>    denominator &lt;- sqrt(</a:t>
+            </a:r>
+            <a:r>
+              <a:rPr lang="en-US" altLang="zh-CN" sz="2400" dirty="0" err="1">
+                <a:latin typeface="宋体" panose="02010600030101010101" pitchFamily="2" charset="-122"/>
+                <a:ea typeface="宋体" panose="02010600030101010101" pitchFamily="2" charset="-122"/>
+              </a:rPr>
+              <a:t>len</a:t>
+            </a:r>
+            <a:r>
+              <a:rPr lang="en-US" altLang="zh-CN" sz="2400" dirty="0">
+                <a:latin typeface="宋体" panose="02010600030101010101" pitchFamily="2" charset="-122"/>
+                <a:ea typeface="宋体" panose="02010600030101010101" pitchFamily="2" charset="-122"/>
+              </a:rPr>
+              <a:t>(</a:t>
+            </a:r>
+            <a:r>
+              <a:rPr lang="en-US" altLang="zh-CN" sz="2400" dirty="0" err="1">
+                <a:latin typeface="宋体" panose="02010600030101010101" pitchFamily="2" charset="-122"/>
+                <a:ea typeface="宋体" panose="02010600030101010101" pitchFamily="2" charset="-122"/>
+              </a:rPr>
+              <a:t>vector_a</a:t>
+            </a:r>
+            <a:r>
+              <a:rPr lang="en-US" altLang="zh-CN" sz="2400" dirty="0">
+                <a:latin typeface="宋体" panose="02010600030101010101" pitchFamily="2" charset="-122"/>
+                <a:ea typeface="宋体" panose="02010600030101010101" pitchFamily="2" charset="-122"/>
+              </a:rPr>
+              <a:t>) + </a:t>
+            </a:r>
+            <a:r>
+              <a:rPr lang="en-US" altLang="zh-CN" sz="2400" dirty="0" err="1">
+                <a:latin typeface="宋体" panose="02010600030101010101" pitchFamily="2" charset="-122"/>
+                <a:ea typeface="宋体" panose="02010600030101010101" pitchFamily="2" charset="-122"/>
+              </a:rPr>
+              <a:t>len</a:t>
+            </a:r>
+            <a:r>
+              <a:rPr lang="en-US" altLang="zh-CN" sz="2400" dirty="0">
+                <a:latin typeface="宋体" panose="02010600030101010101" pitchFamily="2" charset="-122"/>
+                <a:ea typeface="宋体" panose="02010600030101010101" pitchFamily="2" charset="-122"/>
+              </a:rPr>
+              <a:t>(</a:t>
+            </a:r>
+            <a:r>
+              <a:rPr lang="en-US" altLang="zh-CN" sz="2400" dirty="0" err="1">
+                <a:latin typeface="宋体" panose="02010600030101010101" pitchFamily="2" charset="-122"/>
+                <a:ea typeface="宋体" panose="02010600030101010101" pitchFamily="2" charset="-122"/>
+              </a:rPr>
+              <a:t>vector_b</a:t>
+            </a:r>
+            <a:r>
+              <a:rPr lang="en-US" altLang="zh-CN" sz="2400" dirty="0">
+                <a:latin typeface="宋体" panose="02010600030101010101" pitchFamily="2" charset="-122"/>
+                <a:ea typeface="宋体" panose="02010600030101010101" pitchFamily="2" charset="-122"/>
+              </a:rPr>
+              <a:t>))    % </a:t>
+            </a:r>
+            <a:r>
+              <a:rPr lang="zh-CN" altLang="en-US" sz="2400">
+                <a:latin typeface="宋体" panose="02010600030101010101" pitchFamily="2" charset="-122"/>
+                <a:ea typeface="宋体" panose="02010600030101010101" pitchFamily="2" charset="-122"/>
+              </a:rPr>
+              <a:t>分母为两向量模的乘积</a:t>
+            </a:r>
+            <a:endParaRPr lang="en-US" altLang="zh-CN" sz="2400" dirty="0">
+              <a:latin typeface="宋体" panose="02010600030101010101" pitchFamily="2" charset="-122"/>
+              <a:ea typeface="宋体" panose="02010600030101010101" pitchFamily="2" charset="-122"/>
+            </a:endParaRPr>
+          </a:p>
+          <a:p>
+            <a:pPr marL="0" indent="0">
+              <a:buNone/>
+            </a:pPr>
+            <a:r>
+              <a:rPr lang="en-US" altLang="zh-CN" sz="2400" dirty="0">
+                <a:latin typeface="宋体" panose="02010600030101010101" pitchFamily="2" charset="-122"/>
+                <a:ea typeface="宋体" panose="02010600030101010101" pitchFamily="2" charset="-122"/>
+              </a:rPr>
+              <a:t>    for (pos, 1) in </a:t>
+            </a:r>
+            <a:r>
+              <a:rPr lang="en-US" altLang="zh-CN" sz="2400" dirty="0" err="1">
+                <a:latin typeface="宋体" panose="02010600030101010101" pitchFamily="2" charset="-122"/>
+                <a:ea typeface="宋体" panose="02010600030101010101" pitchFamily="2" charset="-122"/>
+              </a:rPr>
+              <a:t>vector_a</a:t>
+            </a:r>
+            <a:r>
+              <a:rPr lang="en-US" altLang="zh-CN" sz="2400" dirty="0">
+                <a:latin typeface="宋体" panose="02010600030101010101" pitchFamily="2" charset="-122"/>
+                <a:ea typeface="宋体" panose="02010600030101010101" pitchFamily="2" charset="-122"/>
+              </a:rPr>
+              <a:t> do</a:t>
+            </a:r>
+          </a:p>
+          <a:p>
+            <a:pPr marL="0" indent="0">
+              <a:buNone/>
+            </a:pPr>
+            <a:r>
+              <a:rPr lang="en-US" altLang="zh-CN" sz="2400" dirty="0">
+                <a:latin typeface="宋体" panose="02010600030101010101" pitchFamily="2" charset="-122"/>
+                <a:ea typeface="宋体" panose="02010600030101010101" pitchFamily="2" charset="-122"/>
+              </a:rPr>
+              <a:t>        if pos in </a:t>
+            </a:r>
+            <a:r>
+              <a:rPr lang="en-US" altLang="zh-CN" sz="2400" dirty="0" err="1">
+                <a:latin typeface="宋体" panose="02010600030101010101" pitchFamily="2" charset="-122"/>
+                <a:ea typeface="宋体" panose="02010600030101010101" pitchFamily="2" charset="-122"/>
+              </a:rPr>
+              <a:t>vector_b</a:t>
+            </a:r>
+            <a:r>
+              <a:rPr lang="en-US" altLang="zh-CN" sz="2400" dirty="0">
+                <a:latin typeface="宋体" panose="02010600030101010101" pitchFamily="2" charset="-122"/>
+                <a:ea typeface="宋体" panose="02010600030101010101" pitchFamily="2" charset="-122"/>
+              </a:rPr>
+              <a:t> then</a:t>
+            </a:r>
+          </a:p>
+          <a:p>
+            <a:pPr marL="0" indent="0">
+              <a:buNone/>
+            </a:pPr>
+            <a:r>
+              <a:rPr lang="en-US" altLang="zh-CN" sz="2400" dirty="0">
+                <a:latin typeface="宋体" panose="02010600030101010101" pitchFamily="2" charset="-122"/>
+                <a:ea typeface="宋体" panose="02010600030101010101" pitchFamily="2" charset="-122"/>
+              </a:rPr>
+              <a:t>            numerator &lt;- numerator + 1</a:t>
+            </a:r>
+          </a:p>
+          <a:p>
+            <a:pPr marL="0" indent="0">
+              <a:buNone/>
+            </a:pPr>
+            <a:r>
+              <a:rPr lang="en-US" altLang="zh-CN" sz="2400" dirty="0">
+                <a:latin typeface="宋体" panose="02010600030101010101" pitchFamily="2" charset="-122"/>
+                <a:ea typeface="宋体" panose="02010600030101010101" pitchFamily="2" charset="-122"/>
+              </a:rPr>
+              <a:t>        end if</a:t>
+            </a:r>
+          </a:p>
+          <a:p>
+            <a:pPr marL="0" indent="0">
+              <a:buNone/>
+            </a:pPr>
+            <a:r>
+              <a:rPr lang="en-US" altLang="zh-CN" sz="2400" dirty="0">
+                <a:latin typeface="宋体" panose="02010600030101010101" pitchFamily="2" charset="-122"/>
+                <a:ea typeface="宋体" panose="02010600030101010101" pitchFamily="2" charset="-122"/>
+              </a:rPr>
+              <a:t>    end for</a:t>
+            </a:r>
+          </a:p>
+          <a:p>
+            <a:pPr marL="0" indent="0">
+              <a:buNone/>
+            </a:pPr>
+            <a:r>
+              <a:rPr lang="en-US" altLang="zh-CN" sz="2400" dirty="0">
+                <a:latin typeface="宋体" panose="02010600030101010101" pitchFamily="2" charset="-122"/>
+                <a:ea typeface="宋体" panose="02010600030101010101" pitchFamily="2" charset="-122"/>
+              </a:rPr>
+              <a:t>    return numerator/denominator</a:t>
+            </a:r>
+          </a:p>
+          <a:p>
+            <a:pPr marL="0" indent="0">
+              <a:buNone/>
+            </a:pPr>
+            <a:r>
+              <a:rPr lang="en-US" altLang="zh-CN" sz="2400" dirty="0">
+                <a:latin typeface="宋体" panose="02010600030101010101" pitchFamily="2" charset="-122"/>
+                <a:ea typeface="宋体" panose="02010600030101010101" pitchFamily="2" charset="-122"/>
+              </a:rPr>
+              <a:t>end function</a:t>
+            </a:r>
+          </a:p>
+        </p:txBody>
+      </p:sp>
+    </p:spTree>
+    <p:extLst>
+      <p:ext uri="{BB962C8B-B14F-4D97-AF65-F5344CB8AC3E}">
+        <p14:creationId xmlns:p14="http://schemas.microsoft.com/office/powerpoint/2010/main" val="1683342244"/>
+      </p:ext>
+    </p:extLst>
+  </p:cSld>
+  <p:clrMapOvr>
+    <a:masterClrMapping/>
+  </p:clrMapOvr>
+</p:sld>
+</file>
+
+<file path=ppt/slides/slide6.xml><?xml version="1.0" encoding="utf-8"?>
+<p:sld xmlns:a="http://schemas.openxmlformats.org/drawingml/2006/main" xmlns:r="http://schemas.openxmlformats.org/officeDocument/2006/relationships" xmlns:p="http://schemas.openxmlformats.org/presentationml/2006/main">
+  <p:cSld>
+    <p:spTree>
+      <p:nvGrpSpPr>
+        <p:cNvPr id="1" name=""/>
+        <p:cNvGrpSpPr/>
+        <p:nvPr/>
+      </p:nvGrpSpPr>
+      <p:grpSpPr>
+        <a:xfrm>
+          <a:off x="0" y="0"/>
+          <a:ext cx="0" cy="0"/>
+          <a:chOff x="0" y="0"/>
+          <a:chExt cx="0" cy="0"/>
+        </a:xfrm>
+      </p:grpSpPr>
+      <p:sp>
+        <p:nvSpPr>
+          <p:cNvPr id="2" name="标题 1">
+            <a:extLst>
+              <a:ext uri="{FF2B5EF4-FFF2-40B4-BE49-F238E27FC236}">
+                <a16:creationId xmlns:a16="http://schemas.microsoft.com/office/drawing/2014/main" id="{A29866C9-0E2D-48F8-9CCF-2D28708815B2}"/>
+              </a:ext>
+            </a:extLst>
+          </p:cNvPr>
+          <p:cNvSpPr>
+            <a:spLocks noGrp="1"/>
+          </p:cNvSpPr>
+          <p:nvPr>
+            <p:ph type="title"/>
+          </p:nvPr>
+        </p:nvSpPr>
+        <p:spPr>
+          <a:xfrm>
+            <a:off x="930478" y="440625"/>
+            <a:ext cx="10515600" cy="1325563"/>
+          </a:xfrm>
+        </p:spPr>
+        <p:txBody>
+          <a:bodyPr/>
+          <a:lstStyle/>
+          <a:p>
+            <a:r>
+              <a:rPr lang="en-US" altLang="zh-CN" dirty="0">
+                <a:latin typeface="宋体" panose="02010600030101010101" pitchFamily="2" charset="-122"/>
+                <a:ea typeface="宋体" panose="02010600030101010101" pitchFamily="2" charset="-122"/>
+              </a:rPr>
+              <a:t>K</a:t>
+            </a:r>
+            <a:r>
+              <a:rPr lang="zh-CN" altLang="en-US" dirty="0">
+                <a:latin typeface="宋体" panose="02010600030101010101" pitchFamily="2" charset="-122"/>
+                <a:ea typeface="宋体" panose="02010600030101010101" pitchFamily="2" charset="-122"/>
+              </a:rPr>
+              <a:t>近邻选取优化</a:t>
+            </a:r>
+          </a:p>
+        </p:txBody>
+      </p:sp>
+      <p:sp>
+        <p:nvSpPr>
+          <p:cNvPr id="3" name="内容占位符 2">
+            <a:extLst>
+              <a:ext uri="{FF2B5EF4-FFF2-40B4-BE49-F238E27FC236}">
+                <a16:creationId xmlns:a16="http://schemas.microsoft.com/office/drawing/2014/main" id="{064ADA59-670E-42B4-A55F-8DD6FDED09D2}"/>
+              </a:ext>
+            </a:extLst>
+          </p:cNvPr>
+          <p:cNvSpPr>
+            <a:spLocks noGrp="1"/>
+          </p:cNvSpPr>
+          <p:nvPr>
+            <p:ph idx="1"/>
+          </p:nvPr>
+        </p:nvSpPr>
+        <p:spPr>
+          <a:xfrm>
+            <a:off x="930478" y="1766188"/>
+            <a:ext cx="9721046" cy="932264"/>
+          </a:xfrm>
+        </p:spPr>
+        <p:txBody>
+          <a:bodyPr>
+            <a:normAutofit/>
+          </a:bodyPr>
+          <a:lstStyle/>
+          <a:p>
+            <a:pPr marL="0" indent="0">
+              <a:lnSpc>
+                <a:spcPts val="3300"/>
+              </a:lnSpc>
+              <a:buNone/>
+            </a:pPr>
+            <a:r>
+              <a:rPr lang="zh-CN" altLang="en-US" sz="2400" dirty="0">
+                <a:latin typeface="宋体" panose="02010600030101010101" pitchFamily="2" charset="-122"/>
+                <a:ea typeface="宋体" panose="02010600030101010101" pitchFamily="2" charset="-122"/>
+              </a:rPr>
+              <a:t>本实验训练集有</a:t>
+            </a:r>
+            <a:r>
+              <a:rPr lang="en-US" altLang="zh-CN" sz="2400" dirty="0">
+                <a:latin typeface="宋体" panose="02010600030101010101" pitchFamily="2" charset="-122"/>
+                <a:ea typeface="宋体" panose="02010600030101010101" pitchFamily="2" charset="-122"/>
+              </a:rPr>
+              <a:t>M</a:t>
+            </a:r>
+            <a:r>
+              <a:rPr lang="zh-CN" altLang="en-US" sz="2400" dirty="0">
+                <a:latin typeface="宋体" panose="02010600030101010101" pitchFamily="2" charset="-122"/>
+                <a:ea typeface="宋体" panose="02010600030101010101" pitchFamily="2" charset="-122"/>
+              </a:rPr>
+              <a:t>条数据，测试集有</a:t>
+            </a:r>
+            <a:r>
+              <a:rPr lang="en-US" altLang="zh-CN" sz="2400" dirty="0">
+                <a:latin typeface="宋体" panose="02010600030101010101" pitchFamily="2" charset="-122"/>
+                <a:ea typeface="宋体" panose="02010600030101010101" pitchFamily="2" charset="-122"/>
+              </a:rPr>
+              <a:t>N</a:t>
+            </a:r>
+            <a:r>
+              <a:rPr lang="zh-CN" altLang="en-US" sz="2400" dirty="0">
+                <a:latin typeface="宋体" panose="02010600030101010101" pitchFamily="2" charset="-122"/>
+                <a:ea typeface="宋体" panose="02010600030101010101" pitchFamily="2" charset="-122"/>
+              </a:rPr>
+              <a:t>条数据，选取</a:t>
+            </a:r>
+            <a:r>
+              <a:rPr lang="en-US" altLang="zh-CN" sz="2400" dirty="0">
+                <a:latin typeface="宋体" panose="02010600030101010101" pitchFamily="2" charset="-122"/>
+                <a:ea typeface="宋体" panose="02010600030101010101" pitchFamily="2" charset="-122"/>
+              </a:rPr>
+              <a:t>K</a:t>
+            </a:r>
+            <a:r>
+              <a:rPr lang="zh-CN" altLang="en-US" sz="2400" dirty="0">
+                <a:latin typeface="宋体" panose="02010600030101010101" pitchFamily="2" charset="-122"/>
+                <a:ea typeface="宋体" panose="02010600030101010101" pitchFamily="2" charset="-122"/>
+              </a:rPr>
+              <a:t>个近邻</a:t>
+            </a:r>
+            <a:r>
+              <a:rPr lang="en-US" altLang="zh-CN" sz="2400" dirty="0">
+                <a:latin typeface="宋体" panose="02010600030101010101" pitchFamily="2" charset="-122"/>
+                <a:ea typeface="宋体" panose="02010600030101010101" pitchFamily="2" charset="-122"/>
+              </a:rPr>
+              <a:t>(M &gt;&gt; K)</a:t>
+            </a:r>
+            <a:r>
+              <a:rPr lang="zh-CN" altLang="en-US" sz="2400" dirty="0">
+                <a:latin typeface="宋体" panose="02010600030101010101" pitchFamily="2" charset="-122"/>
+                <a:ea typeface="宋体" panose="02010600030101010101" pitchFamily="2" charset="-122"/>
+              </a:rPr>
+              <a:t>。即每一条测试数据有</a:t>
+            </a:r>
+            <a:r>
+              <a:rPr lang="en-US" altLang="zh-CN" sz="2400" dirty="0">
+                <a:latin typeface="宋体" panose="02010600030101010101" pitchFamily="2" charset="-122"/>
+                <a:ea typeface="宋体" panose="02010600030101010101" pitchFamily="2" charset="-122"/>
+              </a:rPr>
+              <a:t>M</a:t>
+            </a:r>
+            <a:r>
+              <a:rPr lang="zh-CN" altLang="en-US" sz="2400" dirty="0">
+                <a:latin typeface="宋体" panose="02010600030101010101" pitchFamily="2" charset="-122"/>
+                <a:ea typeface="宋体" panose="02010600030101010101" pitchFamily="2" charset="-122"/>
+              </a:rPr>
+              <a:t>个邻居。计算得到</a:t>
+            </a:r>
+            <a:r>
+              <a:rPr lang="en-US" altLang="zh-CN" sz="2400" dirty="0">
+                <a:latin typeface="宋体" panose="02010600030101010101" pitchFamily="2" charset="-122"/>
+                <a:ea typeface="宋体" panose="02010600030101010101" pitchFamily="2" charset="-122"/>
+              </a:rPr>
+              <a:t>M</a:t>
+            </a:r>
+            <a:r>
+              <a:rPr lang="zh-CN" altLang="en-US" sz="2400" dirty="0">
+                <a:latin typeface="宋体" panose="02010600030101010101" pitchFamily="2" charset="-122"/>
+                <a:ea typeface="宋体" panose="02010600030101010101" pitchFamily="2" charset="-122"/>
+              </a:rPr>
+              <a:t>个余弦距离。</a:t>
+            </a:r>
+            <a:endParaRPr lang="en-US" altLang="zh-CN" sz="2400" dirty="0">
+              <a:latin typeface="宋体" panose="02010600030101010101" pitchFamily="2" charset="-122"/>
+              <a:ea typeface="宋体" panose="02010600030101010101" pitchFamily="2" charset="-122"/>
+            </a:endParaRPr>
+          </a:p>
+        </p:txBody>
+      </p:sp>
+      <p:sp>
+        <p:nvSpPr>
+          <p:cNvPr id="5" name="文本框 4">
+            <a:extLst>
+              <a:ext uri="{FF2B5EF4-FFF2-40B4-BE49-F238E27FC236}">
+                <a16:creationId xmlns:a16="http://schemas.microsoft.com/office/drawing/2014/main" id="{14B7006A-B5BD-4AFD-8B47-AFF9C5CB82D9}"/>
+              </a:ext>
+            </a:extLst>
+          </p:cNvPr>
+          <p:cNvSpPr txBox="1"/>
+          <p:nvPr/>
+        </p:nvSpPr>
+        <p:spPr>
+          <a:xfrm>
+            <a:off x="930478" y="3166257"/>
+            <a:ext cx="3892492" cy="1596719"/>
+          </a:xfrm>
+          <a:prstGeom prst="rect">
+            <a:avLst/>
+          </a:prstGeom>
+          <a:noFill/>
+        </p:spPr>
+        <p:txBody>
+          <a:bodyPr wrap="square" rtlCol="0">
+            <a:spAutoFit/>
+          </a:bodyPr>
+          <a:lstStyle/>
+          <a:p>
+            <a:pPr>
+              <a:lnSpc>
+                <a:spcPts val="3000"/>
+              </a:lnSpc>
+            </a:pPr>
+            <a:r>
+              <a:rPr lang="zh-CN" altLang="en-US" sz="2400" dirty="0"/>
+              <a:t>传统方法</a:t>
+            </a:r>
+            <a:endParaRPr lang="en-US" altLang="zh-CN" sz="2400" dirty="0"/>
+          </a:p>
+          <a:p>
+            <a:pPr marL="285750" indent="-285750">
+              <a:lnSpc>
+                <a:spcPts val="3000"/>
+              </a:lnSpc>
+              <a:buClr>
+                <a:schemeClr val="accent1"/>
+              </a:buClr>
+              <a:buFont typeface="Arial" panose="020B0604020202020204" pitchFamily="34" charset="0"/>
+              <a:buChar char="•"/>
+            </a:pPr>
+            <a:r>
+              <a:rPr lang="zh-CN" altLang="en-US" dirty="0"/>
+              <a:t>将</a:t>
+            </a:r>
+            <a:r>
+              <a:rPr lang="en-US" altLang="zh-CN" dirty="0"/>
+              <a:t>M</a:t>
+            </a:r>
+            <a:r>
+              <a:rPr lang="zh-CN" altLang="en-US" dirty="0"/>
+              <a:t>个余弦距离由高到低进行排序，然后选取前</a:t>
+            </a:r>
+            <a:r>
+              <a:rPr lang="en-US" altLang="zh-CN" dirty="0"/>
+              <a:t>K</a:t>
+            </a:r>
+            <a:r>
+              <a:rPr lang="zh-CN" altLang="en-US" dirty="0"/>
+              <a:t>个邻居</a:t>
+            </a:r>
+            <a:endParaRPr lang="en-US" altLang="zh-CN" dirty="0"/>
+          </a:p>
+          <a:p>
+            <a:pPr marL="285750" indent="-285750">
+              <a:lnSpc>
+                <a:spcPts val="3000"/>
+              </a:lnSpc>
+              <a:buClr>
+                <a:schemeClr val="accent1"/>
+              </a:buClr>
+              <a:buFont typeface="Arial" panose="020B0604020202020204" pitchFamily="34" charset="0"/>
+              <a:buChar char="•"/>
+            </a:pPr>
+            <a:r>
+              <a:rPr lang="zh-CN" altLang="en-US" dirty="0"/>
+              <a:t>此方法时间复杂度为</a:t>
+            </a:r>
+            <a:r>
+              <a:rPr lang="en-US" altLang="zh-CN" dirty="0"/>
+              <a:t>O(</a:t>
+            </a:r>
+            <a:r>
+              <a:rPr lang="en-US" altLang="zh-CN" dirty="0" err="1"/>
+              <a:t>MlogM</a:t>
+            </a:r>
+            <a:r>
+              <a:rPr lang="en-US" altLang="zh-CN" dirty="0"/>
+              <a:t>)</a:t>
+            </a:r>
+          </a:p>
+        </p:txBody>
+      </p:sp>
+      <p:sp>
+        <p:nvSpPr>
+          <p:cNvPr id="6" name="文本框 5">
+            <a:extLst>
+              <a:ext uri="{FF2B5EF4-FFF2-40B4-BE49-F238E27FC236}">
+                <a16:creationId xmlns:a16="http://schemas.microsoft.com/office/drawing/2014/main" id="{EE0CF9A0-4B6C-4675-994E-8633D50811B8}"/>
+              </a:ext>
+            </a:extLst>
+          </p:cNvPr>
+          <p:cNvSpPr txBox="1"/>
+          <p:nvPr/>
+        </p:nvSpPr>
+        <p:spPr>
+          <a:xfrm>
+            <a:off x="5908447" y="3161475"/>
+            <a:ext cx="4468735" cy="2750881"/>
+          </a:xfrm>
+          <a:prstGeom prst="rect">
+            <a:avLst/>
+          </a:prstGeom>
+          <a:noFill/>
+        </p:spPr>
+        <p:txBody>
+          <a:bodyPr wrap="square" rtlCol="0">
+            <a:spAutoFit/>
+          </a:bodyPr>
+          <a:lstStyle/>
+          <a:p>
+            <a:pPr>
+              <a:lnSpc>
+                <a:spcPts val="3000"/>
+              </a:lnSpc>
+            </a:pPr>
+            <a:r>
+              <a:rPr lang="zh-CN" altLang="en-US" sz="2400" dirty="0"/>
+              <a:t>改进方法</a:t>
+            </a:r>
+            <a:endParaRPr lang="en-US" altLang="zh-CN" sz="2400" dirty="0"/>
+          </a:p>
+          <a:p>
+            <a:pPr marL="285750" indent="-285750">
+              <a:lnSpc>
+                <a:spcPts val="3000"/>
+              </a:lnSpc>
+              <a:buClr>
+                <a:schemeClr val="accent1">
+                  <a:lumMod val="60000"/>
+                  <a:lumOff val="40000"/>
+                </a:schemeClr>
+              </a:buClr>
+              <a:buFont typeface="Arial" panose="020B0604020202020204" pitchFamily="34" charset="0"/>
+              <a:buChar char="•"/>
+            </a:pPr>
+            <a:r>
+              <a:rPr lang="zh-CN" altLang="en-US" dirty="0"/>
+              <a:t>在计算与每一条训练集数据的余弦距离时，维护一个大小为</a:t>
+            </a:r>
+            <a:r>
+              <a:rPr lang="en-US" altLang="zh-CN" dirty="0"/>
+              <a:t>K</a:t>
+            </a:r>
+            <a:r>
+              <a:rPr lang="zh-CN" altLang="en-US" dirty="0"/>
+              <a:t>的有序数组。每次将新的余弦距离插入有序数组所花时间为</a:t>
+            </a:r>
+            <a:r>
+              <a:rPr lang="en-US" altLang="zh-CN" dirty="0"/>
+              <a:t>O(K)</a:t>
+            </a:r>
+          </a:p>
+          <a:p>
+            <a:pPr marL="285750" indent="-285750">
+              <a:lnSpc>
+                <a:spcPts val="3000"/>
+              </a:lnSpc>
+              <a:buClr>
+                <a:schemeClr val="accent1">
+                  <a:lumMod val="60000"/>
+                  <a:lumOff val="40000"/>
+                </a:schemeClr>
+              </a:buClr>
+              <a:buFont typeface="Arial" panose="020B0604020202020204" pitchFamily="34" charset="0"/>
+              <a:buChar char="•"/>
+            </a:pPr>
+            <a:r>
+              <a:rPr lang="zh-CN" altLang="en-US" dirty="0"/>
+              <a:t>此方法时间复杂度为</a:t>
+            </a:r>
+            <a:r>
+              <a:rPr lang="en-US" altLang="zh-CN" dirty="0"/>
+              <a:t>O(MK)</a:t>
+            </a:r>
+            <a:r>
+              <a:rPr lang="zh-CN" altLang="en-US" dirty="0"/>
+              <a:t>，在</a:t>
+            </a:r>
+            <a:r>
+              <a:rPr lang="en-US" altLang="zh-CN" dirty="0"/>
+              <a:t>M&gt;&gt;K</a:t>
+            </a:r>
+            <a:r>
+              <a:rPr lang="zh-CN" altLang="en-US"/>
+              <a:t>的情况下，改进效果尤为明显</a:t>
+            </a:r>
+            <a:endParaRPr lang="en-US" altLang="zh-CN" dirty="0"/>
+          </a:p>
+        </p:txBody>
+      </p:sp>
+    </p:spTree>
+    <p:extLst>
+      <p:ext uri="{BB962C8B-B14F-4D97-AF65-F5344CB8AC3E}">
+        <p14:creationId xmlns:p14="http://schemas.microsoft.com/office/powerpoint/2010/main" val="663114752"/>
+      </p:ext>
+    </p:extLst>
+  </p:cSld>
+  <p:clrMapOvr>
+    <a:masterClrMapping/>
+  </p:clrMapOvr>
+</p:sld>
+</file>
+
+<file path=ppt/slides/slide7.xml><?xml version="1.0" encoding="utf-8"?>
+<p:sld xmlns:a="http://schemas.openxmlformats.org/drawingml/2006/main" xmlns:r="http://schemas.openxmlformats.org/officeDocument/2006/relationships" xmlns:p="http://schemas.openxmlformats.org/presentationml/2006/main">
+  <p:cSld>
+    <p:spTree>
+      <p:nvGrpSpPr>
+        <p:cNvPr id="1" name=""/>
+        <p:cNvGrpSpPr/>
+        <p:nvPr/>
+      </p:nvGrpSpPr>
+      <p:grpSpPr>
+        <a:xfrm>
+          <a:off x="0" y="0"/>
+          <a:ext cx="0" cy="0"/>
+          <a:chOff x="0" y="0"/>
+          <a:chExt cx="0" cy="0"/>
+        </a:xfrm>
+      </p:grpSpPr>
+      <p:sp>
+        <p:nvSpPr>
+          <p:cNvPr id="2" name="标题 1">
+            <a:extLst>
+              <a:ext uri="{FF2B5EF4-FFF2-40B4-BE49-F238E27FC236}">
+                <a16:creationId xmlns:a16="http://schemas.microsoft.com/office/drawing/2014/main" id="{ADEC7840-A0A9-4E3A-B0A2-FB7CA1EE9070}"/>
+              </a:ext>
+            </a:extLst>
+          </p:cNvPr>
+          <p:cNvSpPr>
+            <a:spLocks noGrp="1"/>
+          </p:cNvSpPr>
+          <p:nvPr>
+            <p:ph type="title"/>
+          </p:nvPr>
+        </p:nvSpPr>
+        <p:spPr/>
+        <p:txBody>
+          <a:bodyPr/>
+          <a:lstStyle/>
+          <a:p>
+            <a:r>
+              <a:rPr lang="zh-CN" altLang="en-US" dirty="0">
+                <a:latin typeface="宋体" panose="02010600030101010101" pitchFamily="2" charset="-122"/>
+                <a:ea typeface="宋体" panose="02010600030101010101" pitchFamily="2" charset="-122"/>
+              </a:rPr>
+              <a:t>实验结果</a:t>
+            </a:r>
+          </a:p>
+        </p:txBody>
+      </p:sp>
+      <p:graphicFrame>
+        <p:nvGraphicFramePr>
+          <p:cNvPr id="4" name="表格 4">
+            <a:extLst>
+              <a:ext uri="{FF2B5EF4-FFF2-40B4-BE49-F238E27FC236}">
+                <a16:creationId xmlns:a16="http://schemas.microsoft.com/office/drawing/2014/main" id="{162758D0-EFF5-4706-8DBB-D16980DF53C2}"/>
+              </a:ext>
+            </a:extLst>
+          </p:cNvPr>
+          <p:cNvGraphicFramePr>
+            <a:graphicFrameLocks noGrp="1"/>
+          </p:cNvGraphicFramePr>
+          <p:nvPr>
+            <p:ph idx="1"/>
+            <p:extLst>
+              <p:ext uri="{D42A27DB-BD31-4B8C-83A1-F6EECF244321}">
+                <p14:modId xmlns:p14="http://schemas.microsoft.com/office/powerpoint/2010/main" val="2052365199"/>
+              </p:ext>
+            </p:extLst>
+          </p:nvPr>
+        </p:nvGraphicFramePr>
+        <p:xfrm>
+          <a:off x="838200" y="1884348"/>
+          <a:ext cx="10515600" cy="2033311"/>
+        </p:xfrm>
+        <a:graphic>
+          <a:graphicData uri="http://schemas.openxmlformats.org/drawingml/2006/table">
+            <a:tbl>
+              <a:tblPr firstRow="1" bandRow="1">
+                <a:tableStyleId>{5C22544A-7EE6-4342-B048-85BDC9FD1C3A}</a:tableStyleId>
+              </a:tblPr>
+              <a:tblGrid>
+                <a:gridCol w="2103120">
+                  <a:extLst>
+                    <a:ext uri="{9D8B030D-6E8A-4147-A177-3AD203B41FA5}">
+                      <a16:colId xmlns:a16="http://schemas.microsoft.com/office/drawing/2014/main" val="3924294509"/>
+                    </a:ext>
+                  </a:extLst>
+                </a:gridCol>
+                <a:gridCol w="2103120">
+                  <a:extLst>
+                    <a:ext uri="{9D8B030D-6E8A-4147-A177-3AD203B41FA5}">
+                      <a16:colId xmlns:a16="http://schemas.microsoft.com/office/drawing/2014/main" val="2702689822"/>
+                    </a:ext>
+                  </a:extLst>
+                </a:gridCol>
+                <a:gridCol w="2103120">
+                  <a:extLst>
+                    <a:ext uri="{9D8B030D-6E8A-4147-A177-3AD203B41FA5}">
+                      <a16:colId xmlns:a16="http://schemas.microsoft.com/office/drawing/2014/main" val="1028810696"/>
+                    </a:ext>
+                  </a:extLst>
+                </a:gridCol>
+                <a:gridCol w="2103120">
+                  <a:extLst>
+                    <a:ext uri="{9D8B030D-6E8A-4147-A177-3AD203B41FA5}">
+                      <a16:colId xmlns:a16="http://schemas.microsoft.com/office/drawing/2014/main" val="39297623"/>
+                    </a:ext>
+                  </a:extLst>
+                </a:gridCol>
+                <a:gridCol w="2103120">
+                  <a:extLst>
+                    <a:ext uri="{9D8B030D-6E8A-4147-A177-3AD203B41FA5}">
+                      <a16:colId xmlns:a16="http://schemas.microsoft.com/office/drawing/2014/main" val="3121346595"/>
+                    </a:ext>
+                  </a:extLst>
+                </a:gridCol>
+              </a:tblGrid>
+              <a:tr h="1493742">
+                <a:tc>
+                  <a:txBody>
+                    <a:bodyPr/>
+                    <a:lstStyle/>
+                    <a:p>
+                      <a:pPr algn="ctr"/>
+                      <a:r>
+                        <a:rPr lang="zh-CN" altLang="en-US" dirty="0"/>
+                        <a:t>训练集</a:t>
+                      </a:r>
+                    </a:p>
+                  </a:txBody>
+                  <a:tcPr anchor="ctr"/>
+                </a:tc>
+                <a:tc>
+                  <a:txBody>
+                    <a:bodyPr/>
+                    <a:lstStyle/>
+                    <a:p>
+                      <a:pPr algn="ctr"/>
+                      <a:r>
+                        <a:rPr lang="zh-CN" altLang="en-US" dirty="0"/>
+                        <a:t>测试集</a:t>
+                      </a:r>
+                    </a:p>
+                  </a:txBody>
+                  <a:tcPr anchor="ctr"/>
+                </a:tc>
+                <a:tc>
+                  <a:txBody>
+                    <a:bodyPr/>
+                    <a:lstStyle/>
+                    <a:p>
+                      <a:pPr algn="ctr"/>
+                      <a:r>
+                        <a:rPr lang="en-US" altLang="zh-CN" dirty="0"/>
+                        <a:t>K</a:t>
+                      </a:r>
+                      <a:endParaRPr lang="zh-CN" altLang="en-US" dirty="0"/>
+                    </a:p>
+                  </a:txBody>
+                  <a:tcPr anchor="ctr"/>
+                </a:tc>
+                <a:tc>
+                  <a:txBody>
+                    <a:bodyPr/>
+                    <a:lstStyle/>
+                    <a:p>
+                      <a:pPr algn="ctr"/>
+                      <a:r>
+                        <a:rPr lang="zh-CN" altLang="en-US" dirty="0"/>
+                        <a:t>准确率</a:t>
+                      </a:r>
+                    </a:p>
+                  </a:txBody>
+                  <a:tcPr anchor="ctr"/>
+                </a:tc>
+                <a:tc>
+                  <a:txBody>
+                    <a:bodyPr/>
+                    <a:lstStyle/>
+                    <a:p>
+                      <a:pPr algn="ctr"/>
+                      <a:r>
+                        <a:rPr lang="zh-CN" altLang="en-US" dirty="0"/>
+                        <a:t>执行时间</a:t>
+                      </a:r>
+                    </a:p>
+                  </a:txBody>
+                  <a:tcPr anchor="ctr"/>
+                </a:tc>
+                <a:extLst>
+                  <a:ext uri="{0D108BD9-81ED-4DB2-BD59-A6C34878D82A}">
+                    <a16:rowId xmlns:a16="http://schemas.microsoft.com/office/drawing/2014/main" val="2739099216"/>
+                  </a:ext>
+                </a:extLst>
+              </a:tr>
+              <a:tr h="539569">
+                <a:tc>
+                  <a:txBody>
+                    <a:bodyPr/>
+                    <a:lstStyle/>
+                    <a:p>
+                      <a:pPr algn="ctr"/>
+                      <a:r>
+                        <a:rPr lang="en-US" altLang="zh-CN" dirty="0"/>
+                        <a:t>32000</a:t>
+                      </a:r>
+                      <a:endParaRPr lang="zh-CN" altLang="en-US" dirty="0"/>
+                    </a:p>
+                  </a:txBody>
+                  <a:tcPr anchor="ctr"/>
+                </a:tc>
+                <a:tc>
+                  <a:txBody>
+                    <a:bodyPr/>
+                    <a:lstStyle/>
+                    <a:p>
+                      <a:pPr algn="ctr"/>
+                      <a:r>
+                        <a:rPr lang="en-US" altLang="zh-CN" dirty="0"/>
+                        <a:t>8000</a:t>
+                      </a:r>
+                      <a:endParaRPr lang="zh-CN" altLang="en-US" dirty="0"/>
+                    </a:p>
+                  </a:txBody>
+                  <a:tcPr anchor="ctr"/>
+                </a:tc>
+                <a:tc>
+                  <a:txBody>
+                    <a:bodyPr/>
+                    <a:lstStyle/>
+                    <a:p>
+                      <a:pPr algn="ctr"/>
+                      <a:r>
+                        <a:rPr lang="en-US" altLang="zh-CN" dirty="0"/>
+                        <a:t>10</a:t>
+                      </a:r>
+                      <a:endParaRPr lang="zh-CN" altLang="en-US" dirty="0"/>
+                    </a:p>
+                  </a:txBody>
+                  <a:tcPr anchor="ctr"/>
+                </a:tc>
+                <a:tc>
+                  <a:txBody>
+                    <a:bodyPr/>
+                    <a:lstStyle/>
+                    <a:p>
+                      <a:pPr algn="ctr"/>
+                      <a:r>
+                        <a:rPr lang="en-US" altLang="zh-CN" dirty="0"/>
+                        <a:t>90.00%</a:t>
+                      </a:r>
+                      <a:endParaRPr lang="zh-CN" altLang="en-US" dirty="0"/>
+                    </a:p>
+                  </a:txBody>
+                  <a:tcPr anchor="ctr"/>
+                </a:tc>
+                <a:tc>
+                  <a:txBody>
+                    <a:bodyPr/>
+                    <a:lstStyle/>
+                    <a:p>
+                      <a:pPr algn="ctr"/>
+                      <a:r>
+                        <a:rPr lang="en-US" altLang="zh-CN" dirty="0"/>
+                        <a:t>23.41 min</a:t>
+                      </a:r>
+                      <a:endParaRPr lang="zh-CN" altLang="en-US" dirty="0"/>
+                    </a:p>
+                  </a:txBody>
+                  <a:tcPr anchor="ctr"/>
+                </a:tc>
+                <a:extLst>
+                  <a:ext uri="{0D108BD9-81ED-4DB2-BD59-A6C34878D82A}">
+                    <a16:rowId xmlns:a16="http://schemas.microsoft.com/office/drawing/2014/main" val="4248570127"/>
+                  </a:ext>
+                </a:extLst>
+              </a:tr>
+            </a:tbl>
+          </a:graphicData>
+        </a:graphic>
+      </p:graphicFrame>
+      <p:sp>
+        <p:nvSpPr>
+          <p:cNvPr id="7" name="文本框 6">
+            <a:extLst>
+              <a:ext uri="{FF2B5EF4-FFF2-40B4-BE49-F238E27FC236}">
+                <a16:creationId xmlns:a16="http://schemas.microsoft.com/office/drawing/2014/main" id="{FB56E10D-65C3-4449-A728-F23E6318B380}"/>
+              </a:ext>
+            </a:extLst>
+          </p:cNvPr>
+          <p:cNvSpPr txBox="1"/>
+          <p:nvPr/>
+        </p:nvSpPr>
+        <p:spPr>
+          <a:xfrm>
+            <a:off x="838200" y="4730370"/>
+            <a:ext cx="6545382" cy="841577"/>
+          </a:xfrm>
+          <a:prstGeom prst="rect">
+            <a:avLst/>
+          </a:prstGeom>
+          <a:noFill/>
+        </p:spPr>
+        <p:txBody>
+          <a:bodyPr wrap="none" rtlCol="0">
+            <a:spAutoFit/>
+          </a:bodyPr>
+          <a:lstStyle/>
+          <a:p>
+            <a:pPr>
+              <a:lnSpc>
+                <a:spcPts val="3000"/>
+              </a:lnSpc>
+            </a:pPr>
+            <a:r>
+              <a:rPr lang="zh-CN" altLang="en-US" sz="2400" dirty="0">
+                <a:latin typeface="宋体" panose="02010600030101010101" pitchFamily="2" charset="-122"/>
+                <a:ea typeface="宋体" panose="02010600030101010101" pitchFamily="2" charset="-122"/>
+              </a:rPr>
+              <a:t>源码地址</a:t>
+            </a:r>
+            <a:r>
+              <a:rPr lang="en-US" altLang="zh-CN" sz="2400" dirty="0">
+                <a:latin typeface="宋体" panose="02010600030101010101" pitchFamily="2" charset="-122"/>
+                <a:ea typeface="宋体" panose="02010600030101010101" pitchFamily="2" charset="-122"/>
+              </a:rPr>
+              <a:t>:</a:t>
+            </a:r>
+          </a:p>
+          <a:p>
+            <a:pPr marL="342900" indent="-342900">
+              <a:lnSpc>
+                <a:spcPts val="3000"/>
+              </a:lnSpc>
+              <a:buFont typeface="Arial" panose="020B0604020202020204" pitchFamily="34" charset="0"/>
+              <a:buChar char="•"/>
+            </a:pPr>
+            <a:r>
+              <a:rPr lang="en-US" altLang="zh-CN" sz="2400" dirty="0">
+                <a:hlinkClick r:id="rId2"/>
+              </a:rPr>
+              <a:t>https://github.com/TransformersWsz/knn_csa</a:t>
+            </a:r>
+            <a:endParaRPr lang="en-US" altLang="zh-CN" sz="2400" dirty="0">
+              <a:latin typeface="宋体" panose="02010600030101010101" pitchFamily="2" charset="-122"/>
+              <a:ea typeface="宋体" panose="02010600030101010101" pitchFamily="2" charset="-122"/>
+            </a:endParaRPr>
+          </a:p>
+        </p:txBody>
+      </p:sp>
+    </p:spTree>
+    <p:extLst>
+      <p:ext uri="{BB962C8B-B14F-4D97-AF65-F5344CB8AC3E}">
+        <p14:creationId xmlns:p14="http://schemas.microsoft.com/office/powerpoint/2010/main" val="3388842162"/>
+      </p:ext>
+    </p:extLst>
+  </p:cSld>
+  <p:clrMapOvr>
+    <a:masterClrMapping/>
+  </p:clrMapOvr>
+</p:sld>
+</file>
+
+<file path=ppt/slides/slide8.xml><?xml version="1.0" encoding="utf-8"?>
+<p:sld xmlns:a="http://schemas.openxmlformats.org/drawingml/2006/main" xmlns:r="http://schemas.openxmlformats.org/officeDocument/2006/relationships" xmlns:p="http://schemas.openxmlformats.org/presentationml/2006/main">
+  <p:cSld>
+    <p:spTree>
+      <p:nvGrpSpPr>
+        <p:cNvPr id="1" name=""/>
+        <p:cNvGrpSpPr/>
+        <p:nvPr/>
+      </p:nvGrpSpPr>
+      <p:grpSpPr>
+        <a:xfrm>
+          <a:off x="0" y="0"/>
+          <a:ext cx="0" cy="0"/>
+          <a:chOff x="0" y="0"/>
+          <a:chExt cx="0" cy="0"/>
+        </a:xfrm>
+      </p:grpSpPr>
+      <p:sp>
+        <p:nvSpPr>
+          <p:cNvPr id="2" name="标题 1">
+            <a:extLst>
+              <a:ext uri="{FF2B5EF4-FFF2-40B4-BE49-F238E27FC236}">
+                <a16:creationId xmlns:a16="http://schemas.microsoft.com/office/drawing/2014/main" id="{32D09149-7A67-4A0E-A0D5-67EEFEF13CE2}"/>
+              </a:ext>
+            </a:extLst>
+          </p:cNvPr>
+          <p:cNvSpPr>
+            <a:spLocks noGrp="1"/>
+          </p:cNvSpPr>
+          <p:nvPr>
+            <p:ph type="title"/>
+          </p:nvPr>
+        </p:nvSpPr>
+        <p:spPr>
+          <a:xfrm>
+            <a:off x="1328257" y="1769003"/>
+            <a:ext cx="9535486" cy="3319994"/>
+          </a:xfrm>
+        </p:spPr>
+        <p:txBody>
+          <a:bodyPr>
+            <a:normAutofit/>
+          </a:bodyPr>
+          <a:lstStyle/>
+          <a:p>
+            <a:pPr algn="ctr"/>
+            <a:r>
+              <a:rPr lang="zh-CN" altLang="en-US" sz="9600" dirty="0">
+                <a:latin typeface="宋体" panose="02010600030101010101" pitchFamily="2" charset="-122"/>
+                <a:ea typeface="宋体" panose="02010600030101010101" pitchFamily="2" charset="-122"/>
+              </a:rPr>
+              <a:t>欢迎指导</a:t>
+            </a:r>
+            <a:br>
+              <a:rPr lang="en-US" altLang="zh-CN" sz="9600" dirty="0">
+                <a:latin typeface="宋体" panose="02010600030101010101" pitchFamily="2" charset="-122"/>
+                <a:ea typeface="宋体" panose="02010600030101010101" pitchFamily="2" charset="-122"/>
+              </a:rPr>
+            </a:br>
+            <a:r>
+              <a:rPr lang="en-US" altLang="zh-CN" sz="9600" dirty="0">
+                <a:latin typeface="宋体" panose="02010600030101010101" pitchFamily="2" charset="-122"/>
+                <a:ea typeface="宋体" panose="02010600030101010101" pitchFamily="2" charset="-122"/>
+              </a:rPr>
+              <a:t>Thanks</a:t>
+            </a:r>
+            <a:endParaRPr lang="zh-CN" altLang="en-US" sz="9600" dirty="0">
+              <a:latin typeface="宋体" panose="02010600030101010101" pitchFamily="2" charset="-122"/>
+              <a:ea typeface="宋体" panose="02010600030101010101" pitchFamily="2" charset="-122"/>
+            </a:endParaRPr>
+          </a:p>
+        </p:txBody>
+      </p:sp>
+    </p:spTree>
+    <p:extLst>
+      <p:ext uri="{BB962C8B-B14F-4D97-AF65-F5344CB8AC3E}">
+        <p14:creationId xmlns:p14="http://schemas.microsoft.com/office/powerpoint/2010/main" val="1811550652"/>
       </p:ext>
     </p:extLst>
   </p:cSld>
